--- a/CBP專案/帳單API/帳單Draft API(docx).pptx
+++ b/CBP專案/帳單API/帳單Draft API(docx).pptx
@@ -6,7 +6,9 @@
   </p:sldMasterIdLst>
   <p:sldIdLst>
     <p:sldId id="256" r:id="rId2"/>
-    <p:sldId id="257" r:id="rId3"/>
+    <p:sldId id="258" r:id="rId3"/>
+    <p:sldId id="259" r:id="rId4"/>
+    <p:sldId id="257" r:id="rId5"/>
   </p:sldIdLst>
   <p:sldSz cx="12192000" cy="6858000"/>
   <p:notesSz cx="6858000" cy="9144000"/>
@@ -105,6 +107,11 @@
       </a:defRPr>
     </a:lvl9pPr>
   </p:defaultTextStyle>
+  <p:extLst>
+    <p:ext uri="{EFAFB233-063F-42B5-8137-9DF3F51BA10A}">
+      <p15:sldGuideLst xmlns:p15="http://schemas.microsoft.com/office/powerpoint/2012/main"/>
+    </p:ext>
+  </p:extLst>
 </p:presentation>
 </file>
 
@@ -255,7 +262,7 @@
           <a:p>
             <a:fld id="{602A2B3F-C5D3-47BF-B24B-A73A8139B9BC}" type="datetimeFigureOut">
               <a:rPr lang="zh-TW" altLang="en-US" smtClean="0"/>
-              <a:t>2023/4/2</a:t>
+              <a:t>2023/4/6</a:t>
             </a:fld>
             <a:endParaRPr lang="zh-TW" altLang="en-US"/>
           </a:p>
@@ -453,7 +460,7 @@
           <a:p>
             <a:fld id="{602A2B3F-C5D3-47BF-B24B-A73A8139B9BC}" type="datetimeFigureOut">
               <a:rPr lang="zh-TW" altLang="en-US" smtClean="0"/>
-              <a:t>2023/4/2</a:t>
+              <a:t>2023/4/6</a:t>
             </a:fld>
             <a:endParaRPr lang="zh-TW" altLang="en-US"/>
           </a:p>
@@ -661,7 +668,7 @@
           <a:p>
             <a:fld id="{602A2B3F-C5D3-47BF-B24B-A73A8139B9BC}" type="datetimeFigureOut">
               <a:rPr lang="zh-TW" altLang="en-US" smtClean="0"/>
-              <a:t>2023/4/2</a:t>
+              <a:t>2023/4/6</a:t>
             </a:fld>
             <a:endParaRPr lang="zh-TW" altLang="en-US"/>
           </a:p>
@@ -859,7 +866,7 @@
           <a:p>
             <a:fld id="{602A2B3F-C5D3-47BF-B24B-A73A8139B9BC}" type="datetimeFigureOut">
               <a:rPr lang="zh-TW" altLang="en-US" smtClean="0"/>
-              <a:t>2023/4/2</a:t>
+              <a:t>2023/4/6</a:t>
             </a:fld>
             <a:endParaRPr lang="zh-TW" altLang="en-US"/>
           </a:p>
@@ -1134,7 +1141,7 @@
           <a:p>
             <a:fld id="{602A2B3F-C5D3-47BF-B24B-A73A8139B9BC}" type="datetimeFigureOut">
               <a:rPr lang="zh-TW" altLang="en-US" smtClean="0"/>
-              <a:t>2023/4/2</a:t>
+              <a:t>2023/4/6</a:t>
             </a:fld>
             <a:endParaRPr lang="zh-TW" altLang="en-US"/>
           </a:p>
@@ -1399,7 +1406,7 @@
           <a:p>
             <a:fld id="{602A2B3F-C5D3-47BF-B24B-A73A8139B9BC}" type="datetimeFigureOut">
               <a:rPr lang="zh-TW" altLang="en-US" smtClean="0"/>
-              <a:t>2023/4/2</a:t>
+              <a:t>2023/4/6</a:t>
             </a:fld>
             <a:endParaRPr lang="zh-TW" altLang="en-US"/>
           </a:p>
@@ -1811,7 +1818,7 @@
           <a:p>
             <a:fld id="{602A2B3F-C5D3-47BF-B24B-A73A8139B9BC}" type="datetimeFigureOut">
               <a:rPr lang="zh-TW" altLang="en-US" smtClean="0"/>
-              <a:t>2023/4/2</a:t>
+              <a:t>2023/4/6</a:t>
             </a:fld>
             <a:endParaRPr lang="zh-TW" altLang="en-US"/>
           </a:p>
@@ -1952,7 +1959,7 @@
           <a:p>
             <a:fld id="{602A2B3F-C5D3-47BF-B24B-A73A8139B9BC}" type="datetimeFigureOut">
               <a:rPr lang="zh-TW" altLang="en-US" smtClean="0"/>
-              <a:t>2023/4/2</a:t>
+              <a:t>2023/4/6</a:t>
             </a:fld>
             <a:endParaRPr lang="zh-TW" altLang="en-US"/>
           </a:p>
@@ -2065,7 +2072,7 @@
           <a:p>
             <a:fld id="{602A2B3F-C5D3-47BF-B24B-A73A8139B9BC}" type="datetimeFigureOut">
               <a:rPr lang="zh-TW" altLang="en-US" smtClean="0"/>
-              <a:t>2023/4/2</a:t>
+              <a:t>2023/4/6</a:t>
             </a:fld>
             <a:endParaRPr lang="zh-TW" altLang="en-US"/>
           </a:p>
@@ -2376,7 +2383,7 @@
           <a:p>
             <a:fld id="{602A2B3F-C5D3-47BF-B24B-A73A8139B9BC}" type="datetimeFigureOut">
               <a:rPr lang="zh-TW" altLang="en-US" smtClean="0"/>
-              <a:t>2023/4/2</a:t>
+              <a:t>2023/4/6</a:t>
             </a:fld>
             <a:endParaRPr lang="zh-TW" altLang="en-US"/>
           </a:p>
@@ -2664,7 +2671,7 @@
           <a:p>
             <a:fld id="{602A2B3F-C5D3-47BF-B24B-A73A8139B9BC}" type="datetimeFigureOut">
               <a:rPr lang="zh-TW" altLang="en-US" smtClean="0"/>
-              <a:t>2023/4/2</a:t>
+              <a:t>2023/4/6</a:t>
             </a:fld>
             <a:endParaRPr lang="zh-TW" altLang="en-US"/>
           </a:p>
@@ -2905,7 +2912,7 @@
           <a:p>
             <a:fld id="{602A2B3F-C5D3-47BF-B24B-A73A8139B9BC}" type="datetimeFigureOut">
               <a:rPr lang="zh-TW" altLang="en-US" smtClean="0"/>
-              <a:t>2023/4/2</a:t>
+              <a:t>2023/4/6</a:t>
             </a:fld>
             <a:endParaRPr lang="zh-TW" altLang="en-US"/>
           </a:p>
@@ -3387,10 +3394,10 @@
       </p:grpSpPr>
       <p:sp>
         <p:nvSpPr>
-          <p:cNvPr id="2" name="標題 1">
-            <a:extLst>
-              <a:ext uri="{FF2B5EF4-FFF2-40B4-BE49-F238E27FC236}">
-                <a16:creationId xmlns:a16="http://schemas.microsoft.com/office/drawing/2014/main" id="{56187F1B-1DBF-426B-85A2-C17574BC73C7}"/>
+          <p:cNvPr id="4" name="標題 1">
+            <a:extLst>
+              <a:ext uri="{FF2B5EF4-FFF2-40B4-BE49-F238E27FC236}">
+                <a16:creationId xmlns:a16="http://schemas.microsoft.com/office/drawing/2014/main" id="{4C1CF5A7-8AE6-419D-BA54-CC1D547E6F03}"/>
               </a:ext>
             </a:extLst>
           </p:cNvPr>
@@ -3401,7 +3408,12 @@
             <p:ph type="title"/>
           </p:nvPr>
         </p:nvSpPr>
-        <p:spPr/>
+        <p:spPr>
+          <a:xfrm>
+            <a:off x="838200" y="365125"/>
+            <a:ext cx="10515600" cy="1325563"/>
+          </a:xfrm>
+        </p:spPr>
         <p:txBody>
           <a:bodyPr/>
           <a:lstStyle/>
@@ -3416,18 +3428,51 @@
             </a:r>
             <a:r>
               <a:rPr lang="en-US" altLang="zh-TW" dirty="0"/>
-              <a:t>Draft)</a:t>
-            </a:r>
-            <a:endParaRPr lang="zh-TW" altLang="en-US" dirty="0"/>
-          </a:p>
-        </p:txBody>
-      </p:sp>
-      <p:sp>
-        <p:nvSpPr>
-          <p:cNvPr id="5" name="文字方塊 4">
-            <a:extLst>
-              <a:ext uri="{FF2B5EF4-FFF2-40B4-BE49-F238E27FC236}">
-                <a16:creationId xmlns:a16="http://schemas.microsoft.com/office/drawing/2014/main" id="{C1BD51FD-4EA2-464B-B504-4B50004EB975}"/>
+              <a:t>Draft)-</a:t>
+            </a:r>
+            <a:r>
+              <a:rPr lang="zh-TW" altLang="en-US" dirty="0"/>
+              <a:t>產製帳單按鈕</a:t>
+            </a:r>
+          </a:p>
+        </p:txBody>
+      </p:sp>
+      <p:pic>
+        <p:nvPicPr>
+          <p:cNvPr id="6" name="圖片 5">
+            <a:extLst>
+              <a:ext uri="{FF2B5EF4-FFF2-40B4-BE49-F238E27FC236}">
+                <a16:creationId xmlns:a16="http://schemas.microsoft.com/office/drawing/2014/main" id="{143CC01E-F464-414C-A9D2-AF4528DC40B7}"/>
+              </a:ext>
+            </a:extLst>
+          </p:cNvPr>
+          <p:cNvPicPr>
+            <a:picLocks noChangeAspect="1"/>
+          </p:cNvPicPr>
+          <p:nvPr/>
+        </p:nvPicPr>
+        <p:blipFill>
+          <a:blip r:embed="rId2"/>
+          <a:stretch>
+            <a:fillRect/>
+          </a:stretch>
+        </p:blipFill>
+        <p:spPr>
+          <a:xfrm>
+            <a:off x="838200" y="1562100"/>
+            <a:ext cx="9804458" cy="2618958"/>
+          </a:xfrm>
+          <a:prstGeom prst="rect">
+            <a:avLst/>
+          </a:prstGeom>
+        </p:spPr>
+      </p:pic>
+      <p:sp>
+        <p:nvSpPr>
+          <p:cNvPr id="7" name="文字方塊 6">
+            <a:extLst>
+              <a:ext uri="{FF2B5EF4-FFF2-40B4-BE49-F238E27FC236}">
+                <a16:creationId xmlns:a16="http://schemas.microsoft.com/office/drawing/2014/main" id="{D9AB2CCD-5F9B-487A-A088-FED40676DCCC}"/>
               </a:ext>
             </a:extLst>
           </p:cNvPr>
@@ -3436,8 +3481,8 @@
         </p:nvSpPr>
         <p:spPr>
           <a:xfrm>
-            <a:off x="8932334" y="2204074"/>
-            <a:ext cx="2726266" cy="1569660"/>
+            <a:off x="1352020" y="5378033"/>
+            <a:ext cx="2726266" cy="1015663"/>
           </a:xfrm>
           <a:prstGeom prst="rect">
             <a:avLst/>
@@ -3470,6 +3515,962 @@
           <a:p>
             <a:r>
               <a:rPr lang="zh-TW" altLang="en-US" sz="1200" dirty="0"/>
+              <a:t>    "</a:t>
+            </a:r>
+            <a:r>
+              <a:rPr lang="en-US" altLang="zh-TW" sz="1200" dirty="0" err="1"/>
+              <a:t>GetTemplate</a:t>
+            </a:r>
+            <a:r>
+              <a:rPr lang="zh-TW" altLang="en-US" sz="1200" dirty="0"/>
+              <a:t>"</a:t>
+            </a:r>
+            <a:r>
+              <a:rPr lang="en-US" altLang="zh-TW" sz="1200" dirty="0"/>
+              <a:t>:</a:t>
+            </a:r>
+            <a:r>
+              <a:rPr lang="zh-TW" altLang="en-US" sz="1200" dirty="0"/>
+              <a:t> </a:t>
+            </a:r>
+            <a:r>
+              <a:rPr lang="en-US" altLang="zh-TW" sz="1200" dirty="0"/>
+              <a:t>true</a:t>
+            </a:r>
+            <a:endParaRPr lang="zh-TW" altLang="en-US" sz="1200" dirty="0"/>
+          </a:p>
+          <a:p>
+            <a:r>
+              <a:rPr lang="zh-TW" altLang="en-US" sz="1200" dirty="0"/>
+              <a:t>}</a:t>
+            </a:r>
+          </a:p>
+        </p:txBody>
+      </p:sp>
+      <p:sp>
+        <p:nvSpPr>
+          <p:cNvPr id="8" name="文字方塊 7">
+            <a:extLst>
+              <a:ext uri="{FF2B5EF4-FFF2-40B4-BE49-F238E27FC236}">
+                <a16:creationId xmlns:a16="http://schemas.microsoft.com/office/drawing/2014/main" id="{F14678EF-46CD-4C18-9DEC-ABEE118925CA}"/>
+              </a:ext>
+            </a:extLst>
+          </p:cNvPr>
+          <p:cNvSpPr txBox="1"/>
+          <p:nvPr/>
+        </p:nvSpPr>
+        <p:spPr>
+          <a:xfrm>
+            <a:off x="1283759" y="5131812"/>
+            <a:ext cx="3615266" cy="246221"/>
+          </a:xfrm>
+          <a:prstGeom prst="rect">
+            <a:avLst/>
+          </a:prstGeom>
+          <a:noFill/>
+        </p:spPr>
+        <p:txBody>
+          <a:bodyPr wrap="square">
+            <a:spAutoFit/>
+          </a:bodyPr>
+          <a:lstStyle/>
+          <a:p>
+            <a:r>
+              <a:rPr lang="en-US" altLang="zh-TW" sz="1000" dirty="0"/>
+              <a:t>URL:</a:t>
+            </a:r>
+            <a:r>
+              <a:rPr lang="zh-TW" altLang="en-US" sz="1000" dirty="0"/>
+              <a:t> http://localhost:8000/api/v1/getBillMasterDraftStream</a:t>
+            </a:r>
+          </a:p>
+        </p:txBody>
+      </p:sp>
+      <p:sp>
+        <p:nvSpPr>
+          <p:cNvPr id="9" name="文字方塊 8">
+            <a:extLst>
+              <a:ext uri="{FF2B5EF4-FFF2-40B4-BE49-F238E27FC236}">
+                <a16:creationId xmlns:a16="http://schemas.microsoft.com/office/drawing/2014/main" id="{A6B11FB4-D412-4C95-A95B-721DFA77096F}"/>
+              </a:ext>
+            </a:extLst>
+          </p:cNvPr>
+          <p:cNvSpPr txBox="1"/>
+          <p:nvPr/>
+        </p:nvSpPr>
+        <p:spPr>
+          <a:xfrm>
+            <a:off x="1283759" y="4762480"/>
+            <a:ext cx="1242511" cy="369332"/>
+          </a:xfrm>
+          <a:prstGeom prst="rect">
+            <a:avLst/>
+          </a:prstGeom>
+          <a:noFill/>
+        </p:spPr>
+        <p:txBody>
+          <a:bodyPr wrap="square">
+            <a:spAutoFit/>
+          </a:bodyPr>
+          <a:lstStyle/>
+          <a:p>
+            <a:r>
+              <a:rPr lang="zh-TW" altLang="en-US" dirty="0"/>
+              <a:t>POST Body</a:t>
+            </a:r>
+          </a:p>
+        </p:txBody>
+      </p:sp>
+      <p:sp>
+        <p:nvSpPr>
+          <p:cNvPr id="10" name="矩形 9">
+            <a:extLst>
+              <a:ext uri="{FF2B5EF4-FFF2-40B4-BE49-F238E27FC236}">
+                <a16:creationId xmlns:a16="http://schemas.microsoft.com/office/drawing/2014/main" id="{3A66B307-51E4-4177-ADA0-FAAE1DB318D0}"/>
+              </a:ext>
+            </a:extLst>
+          </p:cNvPr>
+          <p:cNvSpPr/>
+          <p:nvPr/>
+        </p:nvSpPr>
+        <p:spPr>
+          <a:xfrm>
+            <a:off x="1209675" y="4762480"/>
+            <a:ext cx="3615266" cy="1730395"/>
+          </a:xfrm>
+          <a:prstGeom prst="rect">
+            <a:avLst/>
+          </a:prstGeom>
+          <a:noFill/>
+          <a:ln>
+            <a:solidFill>
+              <a:schemeClr val="tx1"/>
+            </a:solidFill>
+          </a:ln>
+        </p:spPr>
+        <p:style>
+          <a:lnRef idx="2">
+            <a:schemeClr val="accent1">
+              <a:shade val="50000"/>
+            </a:schemeClr>
+          </a:lnRef>
+          <a:fillRef idx="1">
+            <a:schemeClr val="accent1"/>
+          </a:fillRef>
+          <a:effectRef idx="0">
+            <a:schemeClr val="accent1"/>
+          </a:effectRef>
+          <a:fontRef idx="minor">
+            <a:schemeClr val="lt1"/>
+          </a:fontRef>
+        </p:style>
+        <p:txBody>
+          <a:bodyPr rtlCol="0" anchor="ctr"/>
+          <a:lstStyle/>
+          <a:p>
+            <a:pPr algn="ctr"/>
+            <a:endParaRPr lang="zh-TW" altLang="en-US"/>
+          </a:p>
+        </p:txBody>
+      </p:sp>
+      <p:sp>
+        <p:nvSpPr>
+          <p:cNvPr id="11" name="矩形 10">
+            <a:extLst>
+              <a:ext uri="{FF2B5EF4-FFF2-40B4-BE49-F238E27FC236}">
+                <a16:creationId xmlns:a16="http://schemas.microsoft.com/office/drawing/2014/main" id="{70AA6795-1F4A-4DAE-881D-04CC3F37D965}"/>
+              </a:ext>
+            </a:extLst>
+          </p:cNvPr>
+          <p:cNvSpPr/>
+          <p:nvPr/>
+        </p:nvSpPr>
+        <p:spPr>
+          <a:xfrm>
+            <a:off x="8724900" y="3905251"/>
+            <a:ext cx="385763" cy="140494"/>
+          </a:xfrm>
+          <a:prstGeom prst="rect">
+            <a:avLst/>
+          </a:prstGeom>
+          <a:noFill/>
+          <a:ln>
+            <a:solidFill>
+              <a:srgbClr val="FF0000"/>
+            </a:solidFill>
+          </a:ln>
+        </p:spPr>
+        <p:style>
+          <a:lnRef idx="2">
+            <a:schemeClr val="accent1">
+              <a:shade val="50000"/>
+            </a:schemeClr>
+          </a:lnRef>
+          <a:fillRef idx="1">
+            <a:schemeClr val="accent1"/>
+          </a:fillRef>
+          <a:effectRef idx="0">
+            <a:schemeClr val="accent1"/>
+          </a:effectRef>
+          <a:fontRef idx="minor">
+            <a:schemeClr val="lt1"/>
+          </a:fontRef>
+        </p:style>
+        <p:txBody>
+          <a:bodyPr rtlCol="0" anchor="ctr"/>
+          <a:lstStyle/>
+          <a:p>
+            <a:pPr algn="ctr"/>
+            <a:endParaRPr lang="zh-TW" altLang="en-US"/>
+          </a:p>
+        </p:txBody>
+      </p:sp>
+      <p:cxnSp>
+        <p:nvCxnSpPr>
+          <p:cNvPr id="13" name="接點: 肘形 12">
+            <a:extLst>
+              <a:ext uri="{FF2B5EF4-FFF2-40B4-BE49-F238E27FC236}">
+                <a16:creationId xmlns:a16="http://schemas.microsoft.com/office/drawing/2014/main" id="{42621513-3458-4FC3-918A-D7F1F49572C0}"/>
+              </a:ext>
+            </a:extLst>
+          </p:cNvPr>
+          <p:cNvCxnSpPr>
+            <a:stCxn id="11" idx="2"/>
+            <a:endCxn id="10" idx="3"/>
+          </p:cNvCxnSpPr>
+          <p:nvPr/>
+        </p:nvCxnSpPr>
+        <p:spPr>
+          <a:xfrm rot="5400000">
+            <a:off x="6080396" y="2790291"/>
+            <a:ext cx="1581933" cy="4092841"/>
+          </a:xfrm>
+          <a:prstGeom prst="bentConnector2">
+            <a:avLst/>
+          </a:prstGeom>
+          <a:ln>
+            <a:solidFill>
+              <a:schemeClr val="tx1"/>
+            </a:solidFill>
+            <a:tailEnd type="triangle"/>
+          </a:ln>
+        </p:spPr>
+        <p:style>
+          <a:lnRef idx="1">
+            <a:schemeClr val="accent1"/>
+          </a:lnRef>
+          <a:fillRef idx="0">
+            <a:schemeClr val="accent1"/>
+          </a:fillRef>
+          <a:effectRef idx="0">
+            <a:schemeClr val="accent1"/>
+          </a:effectRef>
+          <a:fontRef idx="minor">
+            <a:schemeClr val="tx1"/>
+          </a:fontRef>
+        </p:style>
+      </p:cxnSp>
+    </p:spTree>
+    <p:extLst>
+      <p:ext uri="{BB962C8B-B14F-4D97-AF65-F5344CB8AC3E}">
+        <p14:creationId xmlns:p14="http://schemas.microsoft.com/office/powerpoint/2010/main" val="2349471722"/>
+      </p:ext>
+    </p:extLst>
+  </p:cSld>
+  <p:clrMapOvr>
+    <a:masterClrMapping/>
+  </p:clrMapOvr>
+</p:sld>
+</file>
+
+<file path=ppt/slides/slide3.xml><?xml version="1.0" encoding="utf-8"?>
+<p:sld xmlns:a="http://schemas.openxmlformats.org/drawingml/2006/main" xmlns:r="http://schemas.openxmlformats.org/officeDocument/2006/relationships" xmlns:p="http://schemas.openxmlformats.org/presentationml/2006/main">
+  <p:cSld>
+    <p:spTree>
+      <p:nvGrpSpPr>
+        <p:cNvPr id="1" name=""/>
+        <p:cNvGrpSpPr/>
+        <p:nvPr/>
+      </p:nvGrpSpPr>
+      <p:grpSpPr>
+        <a:xfrm>
+          <a:off x="0" y="0"/>
+          <a:ext cx="0" cy="0"/>
+          <a:chOff x="0" y="0"/>
+          <a:chExt cx="0" cy="0"/>
+        </a:xfrm>
+      </p:grpSpPr>
+      <p:sp>
+        <p:nvSpPr>
+          <p:cNvPr id="2" name="標題 1">
+            <a:extLst>
+              <a:ext uri="{FF2B5EF4-FFF2-40B4-BE49-F238E27FC236}">
+                <a16:creationId xmlns:a16="http://schemas.microsoft.com/office/drawing/2014/main" id="{FDDB024D-16E0-44D2-8BBB-E8C902980C28}"/>
+              </a:ext>
+            </a:extLst>
+          </p:cNvPr>
+          <p:cNvSpPr>
+            <a:spLocks noGrp="1"/>
+          </p:cNvSpPr>
+          <p:nvPr>
+            <p:ph type="title"/>
+          </p:nvPr>
+        </p:nvSpPr>
+        <p:spPr/>
+        <p:txBody>
+          <a:bodyPr/>
+          <a:lstStyle/>
+          <a:p>
+            <a:r>
+              <a:rPr lang="en-US" altLang="zh-TW" dirty="0"/>
+              <a:t>Response example</a:t>
+            </a:r>
+            <a:endParaRPr lang="zh-TW" altLang="en-US" dirty="0"/>
+          </a:p>
+        </p:txBody>
+      </p:sp>
+      <p:sp>
+        <p:nvSpPr>
+          <p:cNvPr id="5" name="文字方塊 4">
+            <a:extLst>
+              <a:ext uri="{FF2B5EF4-FFF2-40B4-BE49-F238E27FC236}">
+                <a16:creationId xmlns:a16="http://schemas.microsoft.com/office/drawing/2014/main" id="{45BDEB71-8A84-4CC0-8C68-F05D0EEC5C30}"/>
+              </a:ext>
+            </a:extLst>
+          </p:cNvPr>
+          <p:cNvSpPr txBox="1"/>
+          <p:nvPr/>
+        </p:nvSpPr>
+        <p:spPr>
+          <a:xfrm>
+            <a:off x="5761704" y="365125"/>
+            <a:ext cx="6096000" cy="12865060"/>
+          </a:xfrm>
+          <a:prstGeom prst="rect">
+            <a:avLst/>
+          </a:prstGeom>
+          <a:noFill/>
+        </p:spPr>
+        <p:txBody>
+          <a:bodyPr wrap="square">
+            <a:spAutoFit/>
+          </a:bodyPr>
+          <a:lstStyle/>
+          <a:p>
+            <a:r>
+              <a:rPr lang="zh-TW" altLang="en-US" sz="1000" dirty="0"/>
+              <a:t>{</a:t>
+            </a:r>
+          </a:p>
+          <a:p>
+            <a:r>
+              <a:rPr lang="zh-TW" altLang="en-US" sz="1000" dirty="0"/>
+              <a:t>  "ContactWindowAndSupervisorInformation": {</a:t>
+            </a:r>
+          </a:p>
+          <a:p>
+            <a:r>
+              <a:rPr lang="zh-TW" altLang="en-US" sz="1000" dirty="0"/>
+              <a:t>    "Company": "International Business Group,\r\nChunghwa Telecom Co., Ltd.",</a:t>
+            </a:r>
+          </a:p>
+          <a:p>
+            <a:r>
+              <a:rPr lang="zh-TW" altLang="en-US" sz="1000" dirty="0"/>
+              <a:t>    "Address": "No. 31 Aikuo E. Rd., Taipei, Taiwan, 106",</a:t>
+            </a:r>
+          </a:p>
+          <a:p>
+            <a:r>
+              <a:rPr lang="zh-TW" altLang="en-US" sz="1000" dirty="0"/>
+              <a:t>    "Tel": "02-23443897",</a:t>
+            </a:r>
+          </a:p>
+          <a:p>
+            <a:r>
+              <a:rPr lang="zh-TW" altLang="en-US" sz="1000" dirty="0"/>
+              <a:t>    "Fax": "02-23443897",</a:t>
+            </a:r>
+          </a:p>
+          <a:p>
+            <a:r>
+              <a:rPr lang="zh-TW" altLang="en-US" sz="1000" dirty="0"/>
+              <a:t>    "DirectorName": "Hsuan-Lung Liu",</a:t>
+            </a:r>
+          </a:p>
+          <a:p>
+            <a:r>
+              <a:rPr lang="zh-TW" altLang="en-US" sz="1000" dirty="0"/>
+              <a:t>    "DTel": "+886-2-2344-3912",</a:t>
+            </a:r>
+          </a:p>
+          <a:p>
+            <a:r>
+              <a:rPr lang="zh-TW" altLang="en-US" sz="1000" dirty="0"/>
+              <a:t>    "DFax": "+886-2-2322-5940",</a:t>
+            </a:r>
+          </a:p>
+          <a:p>
+            <a:r>
+              <a:rPr lang="zh-TW" altLang="en-US" sz="1000" dirty="0"/>
+              <a:t>    "DEmail": "lsl008@cht.com.tw"</a:t>
+            </a:r>
+          </a:p>
+          <a:p>
+            <a:r>
+              <a:rPr lang="zh-TW" altLang="en-US" sz="1000" dirty="0"/>
+              <a:t>  },</a:t>
+            </a:r>
+          </a:p>
+          <a:p>
+            <a:r>
+              <a:rPr lang="zh-TW" altLang="en-US" sz="1000" dirty="0"/>
+              <a:t>  "PartyInformation": {</a:t>
+            </a:r>
+          </a:p>
+          <a:p>
+            <a:r>
+              <a:rPr lang="zh-TW" altLang="en-US" sz="1000" dirty="0"/>
+              <a:t>    "Company": "Chunghwa Telecom Co., Ltd. Network Technology Group",</a:t>
+            </a:r>
+          </a:p>
+          <a:p>
+            <a:r>
+              <a:rPr lang="zh-TW" altLang="en-US" sz="1000" dirty="0"/>
+              <a:t>    "Address": "31, Aikuo East Road, Taipei, Taiwan 106",</a:t>
+            </a:r>
+          </a:p>
+          <a:p>
+            <a:r>
+              <a:rPr lang="zh-TW" altLang="en-US" sz="1000" dirty="0"/>
+              <a:t>    "Contact": "黃宏杰",</a:t>
+            </a:r>
+          </a:p>
+          <a:p>
+            <a:r>
+              <a:rPr lang="zh-TW" altLang="en-US" sz="1000" dirty="0"/>
+              <a:t>    "Email": "hj-hwang@cht.com.tw",</a:t>
+            </a:r>
+          </a:p>
+          <a:p>
+            <a:r>
+              <a:rPr lang="zh-TW" altLang="en-US" sz="1000" dirty="0"/>
+              <a:t>    "Tel": "03-9772252"</a:t>
+            </a:r>
+          </a:p>
+          <a:p>
+            <a:r>
+              <a:rPr lang="zh-TW" altLang="en-US" sz="1000" dirty="0"/>
+              <a:t>  },</a:t>
+            </a:r>
+          </a:p>
+          <a:p>
+            <a:r>
+              <a:rPr lang="zh-TW" altLang="en-US" sz="1000" dirty="0"/>
+              <a:t>  "CorporateInformation": {</a:t>
+            </a:r>
+          </a:p>
+          <a:p>
+            <a:r>
+              <a:rPr lang="zh-TW" altLang="en-US" sz="1000" dirty="0"/>
+              <a:t>    "BankName": "Bank of Taiwan, Hsinyi Branch",</a:t>
+            </a:r>
+          </a:p>
+          <a:p>
+            <a:r>
+              <a:rPr lang="zh-TW" altLang="en-US" sz="1000" dirty="0"/>
+              <a:t>    "Branch": "",</a:t>
+            </a:r>
+          </a:p>
+          <a:p>
+            <a:r>
+              <a:rPr lang="zh-TW" altLang="en-US" sz="1000" dirty="0"/>
+              <a:t>    "BranchAddress": "31 Aikuo E. Rd., Taipei, Taiwan, 106",</a:t>
+            </a:r>
+          </a:p>
+          <a:p>
+            <a:r>
+              <a:rPr lang="zh-TW" altLang="en-US" sz="1000" dirty="0"/>
+              <a:t>    "BankAcctName": "SJC2 Central Billing Party of Chunghwa Telecom (International Business Group)",</a:t>
+            </a:r>
+          </a:p>
+          <a:p>
+            <a:r>
+              <a:rPr lang="zh-TW" altLang="en-US" sz="1000" dirty="0"/>
+              <a:t>    "BankAcctNo": "054007501968",</a:t>
+            </a:r>
+          </a:p>
+          <a:p>
+            <a:r>
+              <a:rPr lang="zh-TW" altLang="en-US" sz="1000" dirty="0"/>
+              <a:t>    "SavingAcctNo": "",</a:t>
+            </a:r>
+          </a:p>
+          <a:p>
+            <a:r>
+              <a:rPr lang="zh-TW" altLang="en-US" sz="1000" dirty="0"/>
+              <a:t>    "IBAN": "",</a:t>
+            </a:r>
+          </a:p>
+          <a:p>
+            <a:r>
+              <a:rPr lang="zh-TW" altLang="en-US" sz="1000" dirty="0"/>
+              <a:t>    "SWIFTCode": "BKTWTWTP054",</a:t>
+            </a:r>
+          </a:p>
+          <a:p>
+            <a:r>
+              <a:rPr lang="zh-TW" altLang="en-US" sz="1000" dirty="0"/>
+              <a:t>    "ACHNo": "",</a:t>
+            </a:r>
+          </a:p>
+          <a:p>
+            <a:r>
+              <a:rPr lang="zh-TW" altLang="en-US" sz="1000" dirty="0"/>
+              <a:t>    "WireRouting": "",</a:t>
+            </a:r>
+          </a:p>
+          <a:p>
+            <a:r>
+              <a:rPr lang="zh-TW" altLang="en-US" sz="1000" dirty="0"/>
+              <a:t>    "Address": "88, Sec. 2, Sinyi Road, Taipei"</a:t>
+            </a:r>
+          </a:p>
+          <a:p>
+            <a:r>
+              <a:rPr lang="zh-TW" altLang="en-US" sz="1000" dirty="0"/>
+              <a:t>  },</a:t>
+            </a:r>
+          </a:p>
+          <a:p>
+            <a:r>
+              <a:rPr lang="zh-TW" altLang="en-US" sz="1000" dirty="0"/>
+              <a:t>  "DetailInformation": [</a:t>
+            </a:r>
+          </a:p>
+          <a:p>
+            <a:r>
+              <a:rPr lang="zh-TW" altLang="en-US" sz="1000" dirty="0"/>
+              <a:t>    {</a:t>
+            </a:r>
+          </a:p>
+          <a:p>
+            <a:r>
+              <a:rPr lang="zh-TW" altLang="en-US" sz="1000" dirty="0"/>
+              <a:t>      "Supplier": "NEC Corporation, Submarine Network Division",</a:t>
+            </a:r>
+          </a:p>
+          <a:p>
+            <a:r>
+              <a:rPr lang="zh-TW" altLang="en-US" sz="1000" dirty="0"/>
+              <a:t>      "InvNumber": "DT0170168-1",</a:t>
+            </a:r>
+          </a:p>
+          <a:p>
+            <a:r>
+              <a:rPr lang="zh-TW" altLang="en-US" sz="1000" dirty="0"/>
+              <a:t>      "Description": "BM9a Sea cable manufactured (except 8.5km spare cable))- Equipment",</a:t>
+            </a:r>
+          </a:p>
+          <a:p>
+            <a:r>
+              <a:rPr lang="zh-TW" altLang="en-US" sz="1000" dirty="0"/>
+              <a:t>      "BilledAmount": 1288822.32,</a:t>
+            </a:r>
+          </a:p>
+          <a:p>
+            <a:r>
+              <a:rPr lang="zh-TW" altLang="en-US" sz="1000" dirty="0"/>
+              <a:t>      "Liability": 7.1428571429,</a:t>
+            </a:r>
+          </a:p>
+          <a:p>
+            <a:r>
+              <a:rPr lang="zh-TW" altLang="en-US" sz="1000" dirty="0"/>
+              <a:t>      "ShareAmount": 92058.74</a:t>
+            </a:r>
+          </a:p>
+          <a:p>
+            <a:r>
+              <a:rPr lang="zh-TW" altLang="en-US" sz="1000" dirty="0"/>
+              <a:t>    },</a:t>
+            </a:r>
+          </a:p>
+          <a:p>
+            <a:r>
+              <a:rPr lang="zh-TW" altLang="en-US" sz="1000" dirty="0"/>
+              <a:t>    {</a:t>
+            </a:r>
+          </a:p>
+          <a:p>
+            <a:r>
+              <a:rPr lang="zh-TW" altLang="en-US" sz="1000" dirty="0"/>
+              <a:t>      "Supplier": "NEC Corporation, Submarine Network Division",</a:t>
+            </a:r>
+          </a:p>
+          <a:p>
+            <a:r>
+              <a:rPr lang="zh-TW" altLang="en-US" sz="1000" dirty="0"/>
+              <a:t>      "InvNumber": "DT0170168-1",</a:t>
+            </a:r>
+          </a:p>
+          <a:p>
+            <a:r>
+              <a:rPr lang="zh-TW" altLang="en-US" sz="1000" dirty="0"/>
+              <a:t>      "Description": "BM9a Sea cable manufactured (except 8.5km spare cable))- Service",</a:t>
+            </a:r>
+          </a:p>
+          <a:p>
+            <a:r>
+              <a:rPr lang="zh-TW" altLang="en-US" sz="1000" dirty="0"/>
+              <a:t>      "BilledAmount": 1178227.94,</a:t>
+            </a:r>
+          </a:p>
+          <a:p>
+            <a:r>
+              <a:rPr lang="zh-TW" altLang="en-US" sz="1000" dirty="0"/>
+              <a:t>      "Liability": 7.1428571429,</a:t>
+            </a:r>
+          </a:p>
+          <a:p>
+            <a:r>
+              <a:rPr lang="zh-TW" altLang="en-US" sz="1000" dirty="0"/>
+              <a:t>      "ShareAmount": 84159.14</a:t>
+            </a:r>
+          </a:p>
+          <a:p>
+            <a:r>
+              <a:rPr lang="zh-TW" altLang="en-US" sz="1000" dirty="0"/>
+              <a:t>    },</a:t>
+            </a:r>
+          </a:p>
+          <a:p>
+            <a:r>
+              <a:rPr lang="zh-TW" altLang="en-US" sz="1000" dirty="0"/>
+              <a:t>    {</a:t>
+            </a:r>
+          </a:p>
+          <a:p>
+            <a:r>
+              <a:rPr lang="zh-TW" altLang="en-US" sz="1000" dirty="0"/>
+              <a:t>      "Supplier": "NEC Corporation, Submarine Network Division",</a:t>
+            </a:r>
+          </a:p>
+          <a:p>
+            <a:r>
+              <a:rPr lang="zh-TW" altLang="en-US" sz="1000" dirty="0"/>
+              <a:t>      "InvNumber": "DT0170168-1",</a:t>
+            </a:r>
+          </a:p>
+          <a:p>
+            <a:r>
+              <a:rPr lang="zh-TW" altLang="en-US" sz="1000" dirty="0"/>
+              <a:t>      "Description": "BM12 Branching Units (100%)-Equipment",</a:t>
+            </a:r>
+          </a:p>
+          <a:p>
+            <a:r>
+              <a:rPr lang="zh-TW" altLang="en-US" sz="1000" dirty="0"/>
+              <a:t>      "BilledAmount": 1627300.92,</a:t>
+            </a:r>
+          </a:p>
+          <a:p>
+            <a:r>
+              <a:rPr lang="zh-TW" altLang="en-US" sz="1000" dirty="0"/>
+              <a:t>      "Liability": 7.1428571429,</a:t>
+            </a:r>
+          </a:p>
+          <a:p>
+            <a:r>
+              <a:rPr lang="zh-TW" altLang="en-US" sz="1000" dirty="0"/>
+              <a:t>      "ShareAmount": 116235.78</a:t>
+            </a:r>
+          </a:p>
+          <a:p>
+            <a:r>
+              <a:rPr lang="zh-TW" altLang="en-US" sz="1000" dirty="0"/>
+              <a:t>    },</a:t>
+            </a:r>
+          </a:p>
+          <a:p>
+            <a:r>
+              <a:rPr lang="zh-TW" altLang="en-US" sz="1000" dirty="0"/>
+              <a:t>    {</a:t>
+            </a:r>
+          </a:p>
+          <a:p>
+            <a:r>
+              <a:rPr lang="zh-TW" altLang="en-US" sz="1000" dirty="0"/>
+              <a:t>      "Supplier": "NEC Corporation, Submarine Network Division",</a:t>
+            </a:r>
+          </a:p>
+          <a:p>
+            <a:r>
+              <a:rPr lang="zh-TW" altLang="en-US" sz="1000" dirty="0"/>
+              <a:t>      "InvNumber": "DT0170168-1",</a:t>
+            </a:r>
+          </a:p>
+          <a:p>
+            <a:r>
+              <a:rPr lang="zh-TW" altLang="en-US" sz="1000" dirty="0"/>
+              <a:t>      "Description": "BM12 Branching Units (100%)-Service",</a:t>
+            </a:r>
+          </a:p>
+          <a:p>
+            <a:r>
+              <a:rPr lang="zh-TW" altLang="en-US" sz="1000" dirty="0"/>
+              <a:t>      "BilledAmount": 1487661.54,</a:t>
+            </a:r>
+          </a:p>
+          <a:p>
+            <a:r>
+              <a:rPr lang="zh-TW" altLang="en-US" sz="1000" dirty="0"/>
+              <a:t>      "Liability": 7.1428571429,</a:t>
+            </a:r>
+          </a:p>
+          <a:p>
+            <a:r>
+              <a:rPr lang="zh-TW" altLang="en-US" sz="1000" dirty="0"/>
+              <a:t>      "ShareAmount": 106261.54</a:t>
+            </a:r>
+          </a:p>
+          <a:p>
+            <a:r>
+              <a:rPr lang="zh-TW" altLang="en-US" sz="1000" dirty="0"/>
+              <a:t>    },</a:t>
+            </a:r>
+          </a:p>
+          <a:p>
+            <a:r>
+              <a:rPr lang="zh-TW" altLang="en-US" sz="1000" dirty="0"/>
+              <a:t>    {</a:t>
+            </a:r>
+          </a:p>
+          <a:p>
+            <a:r>
+              <a:rPr lang="zh-TW" altLang="en-US" sz="1000" dirty="0"/>
+              <a:t>      "Supplier": "NEC Corporation, Submarine Network Division",</a:t>
+            </a:r>
+          </a:p>
+          <a:p>
+            <a:r>
+              <a:rPr lang="zh-TW" altLang="en-US" sz="1000" dirty="0"/>
+              <a:t>      "InvNumber": "test",</a:t>
+            </a:r>
+          </a:p>
+          <a:p>
+            <a:r>
+              <a:rPr lang="zh-TW" altLang="en-US" sz="1000" dirty="0"/>
+              <a:t>      "Description": "BM9a Sea cable manufactured (except 8.5km spare cable))- Equipment",</a:t>
+            </a:r>
+          </a:p>
+          <a:p>
+            <a:r>
+              <a:rPr lang="zh-TW" altLang="en-US" sz="1000" dirty="0"/>
+              <a:t>      "BilledAmount": -10,</a:t>
+            </a:r>
+          </a:p>
+          <a:p>
+            <a:r>
+              <a:rPr lang="zh-TW" altLang="en-US" sz="1000" dirty="0"/>
+              <a:t>      "Liability": 100,</a:t>
+            </a:r>
+          </a:p>
+          <a:p>
+            <a:r>
+              <a:rPr lang="zh-TW" altLang="en-US" sz="1000" dirty="0"/>
+              <a:t>      "ShareAmount": -10</a:t>
+            </a:r>
+          </a:p>
+          <a:p>
+            <a:r>
+              <a:rPr lang="zh-TW" altLang="en-US" sz="1000" dirty="0"/>
+              <a:t>    },</a:t>
+            </a:r>
+          </a:p>
+          <a:p>
+            <a:r>
+              <a:rPr lang="zh-TW" altLang="en-US" sz="1000" dirty="0"/>
+              <a:t>    {</a:t>
+            </a:r>
+          </a:p>
+          <a:p>
+            <a:r>
+              <a:rPr lang="zh-TW" altLang="en-US" sz="1000" dirty="0"/>
+              <a:t>      "Supplier": "NEC Corporation, Submarine Network Division",</a:t>
+            </a:r>
+          </a:p>
+          <a:p>
+            <a:r>
+              <a:rPr lang="zh-TW" altLang="en-US" sz="1000" dirty="0"/>
+              <a:t>      "InvNumber": "test",</a:t>
+            </a:r>
+          </a:p>
+          <a:p>
+            <a:r>
+              <a:rPr lang="zh-TW" altLang="en-US" sz="1000" dirty="0"/>
+              <a:t>      "Description": "BM9a Sea cable manufactured (except 8.5km spare cable))- Service",</a:t>
+            </a:r>
+          </a:p>
+          <a:p>
+            <a:r>
+              <a:rPr lang="zh-TW" altLang="en-US" sz="1000" dirty="0"/>
+              <a:t>      "BilledAmount": -10,</a:t>
+            </a:r>
+          </a:p>
+          <a:p>
+            <a:r>
+              <a:rPr lang="zh-TW" altLang="en-US" sz="1000" dirty="0"/>
+              <a:t>      "Liability": 100,</a:t>
+            </a:r>
+          </a:p>
+          <a:p>
+            <a:r>
+              <a:rPr lang="zh-TW" altLang="en-US" sz="1000" dirty="0"/>
+              <a:t>      "ShareAmount": -10</a:t>
+            </a:r>
+          </a:p>
+          <a:p>
+            <a:r>
+              <a:rPr lang="zh-TW" altLang="en-US" sz="1000" dirty="0"/>
+              <a:t>    }</a:t>
+            </a:r>
+          </a:p>
+          <a:p>
+            <a:r>
+              <a:rPr lang="zh-TW" altLang="en-US" sz="1000" dirty="0"/>
+              <a:t>  ],</a:t>
+            </a:r>
+          </a:p>
+          <a:p>
+            <a:r>
+              <a:rPr lang="zh-TW" altLang="en-US" sz="1000" dirty="0"/>
+              <a:t>  "InvoiceNo": "02CO-CI2303301838"</a:t>
+            </a:r>
+          </a:p>
+          <a:p>
+            <a:r>
+              <a:rPr lang="zh-TW" altLang="en-US" sz="1000" dirty="0"/>
+              <a:t>}</a:t>
+            </a:r>
+          </a:p>
+        </p:txBody>
+      </p:sp>
+    </p:spTree>
+    <p:extLst>
+      <p:ext uri="{BB962C8B-B14F-4D97-AF65-F5344CB8AC3E}">
+        <p14:creationId xmlns:p14="http://schemas.microsoft.com/office/powerpoint/2010/main" val="1462235175"/>
+      </p:ext>
+    </p:extLst>
+  </p:cSld>
+  <p:clrMapOvr>
+    <a:masterClrMapping/>
+  </p:clrMapOvr>
+</p:sld>
+</file>
+
+<file path=ppt/slides/slide4.xml><?xml version="1.0" encoding="utf-8"?>
+<p:sld xmlns:a="http://schemas.openxmlformats.org/drawingml/2006/main" xmlns:r="http://schemas.openxmlformats.org/officeDocument/2006/relationships" xmlns:p="http://schemas.openxmlformats.org/presentationml/2006/main">
+  <p:cSld>
+    <p:spTree>
+      <p:nvGrpSpPr>
+        <p:cNvPr id="1" name=""/>
+        <p:cNvGrpSpPr/>
+        <p:nvPr/>
+      </p:nvGrpSpPr>
+      <p:grpSpPr>
+        <a:xfrm>
+          <a:off x="0" y="0"/>
+          <a:ext cx="0" cy="0"/>
+          <a:chOff x="0" y="0"/>
+          <a:chExt cx="0" cy="0"/>
+        </a:xfrm>
+      </p:grpSpPr>
+      <p:sp>
+        <p:nvSpPr>
+          <p:cNvPr id="2" name="標題 1">
+            <a:extLst>
+              <a:ext uri="{FF2B5EF4-FFF2-40B4-BE49-F238E27FC236}">
+                <a16:creationId xmlns:a16="http://schemas.microsoft.com/office/drawing/2014/main" id="{56187F1B-1DBF-426B-85A2-C17574BC73C7}"/>
+              </a:ext>
+            </a:extLst>
+          </p:cNvPr>
+          <p:cNvSpPr>
+            <a:spLocks noGrp="1"/>
+          </p:cNvSpPr>
+          <p:nvPr>
+            <p:ph type="title"/>
+          </p:nvPr>
+        </p:nvSpPr>
+        <p:spPr/>
+        <p:txBody>
+          <a:bodyPr/>
+          <a:lstStyle/>
+          <a:p>
+            <a:r>
+              <a:rPr lang="en-US" altLang="zh-TW" dirty="0"/>
+              <a:t>POST(</a:t>
+            </a:r>
+            <a:r>
+              <a:rPr lang="zh-TW" altLang="en-US" dirty="0"/>
+              <a:t>帳單</a:t>
+            </a:r>
+            <a:r>
+              <a:rPr lang="en-US" altLang="zh-TW" dirty="0"/>
+              <a:t>Draft)</a:t>
+            </a:r>
+            <a:endParaRPr lang="zh-TW" altLang="en-US" dirty="0"/>
+          </a:p>
+        </p:txBody>
+      </p:sp>
+      <p:sp>
+        <p:nvSpPr>
+          <p:cNvPr id="5" name="文字方塊 4">
+            <a:extLst>
+              <a:ext uri="{FF2B5EF4-FFF2-40B4-BE49-F238E27FC236}">
+                <a16:creationId xmlns:a16="http://schemas.microsoft.com/office/drawing/2014/main" id="{C1BD51FD-4EA2-464B-B504-4B50004EB975}"/>
+              </a:ext>
+            </a:extLst>
+          </p:cNvPr>
+          <p:cNvSpPr txBox="1"/>
+          <p:nvPr/>
+        </p:nvSpPr>
+        <p:spPr>
+          <a:xfrm>
+            <a:off x="8932334" y="2204074"/>
+            <a:ext cx="2726266" cy="1938992"/>
+          </a:xfrm>
+          <a:prstGeom prst="rect">
+            <a:avLst/>
+          </a:prstGeom>
+          <a:noFill/>
+        </p:spPr>
+        <p:txBody>
+          <a:bodyPr wrap="square">
+            <a:spAutoFit/>
+          </a:bodyPr>
+          <a:lstStyle/>
+          <a:p>
+            <a:r>
+              <a:rPr lang="zh-TW" altLang="en-US" sz="1200" dirty="0"/>
+              <a:t>{</a:t>
+            </a:r>
+          </a:p>
+          <a:p>
+            <a:r>
+              <a:rPr lang="zh-TW" altLang="en-US" sz="1200" dirty="0"/>
+              <a:t>    "BillMasterID": 1,</a:t>
+            </a:r>
+          </a:p>
+          <a:p>
+            <a:r>
+              <a:rPr lang="zh-TW" altLang="en-US" sz="1200" dirty="0"/>
+              <a:t>    "UserID": "chang_ty",</a:t>
+            </a:r>
+          </a:p>
+          <a:p>
+            <a:r>
+              <a:rPr lang="zh-TW" altLang="en-US" sz="1200" dirty="0"/>
               <a:t>    "IssueDate": "2023/04/01",</a:t>
             </a:r>
           </a:p>
@@ -3490,6 +4491,52 @@
               <a:rPr lang="zh-TW" altLang="en-US" sz="1200" dirty="0"/>
               <a:t>    "InvoiceName": "",</a:t>
             </a:r>
+            <a:endParaRPr lang="en-US" altLang="zh-TW" sz="1200" dirty="0"/>
+          </a:p>
+          <a:p>
+            <a:r>
+              <a:rPr lang="zh-TW" altLang="en-US" sz="1200" dirty="0"/>
+              <a:t>    "</a:t>
+            </a:r>
+            <a:r>
+              <a:rPr lang="en-US" altLang="zh-TW" sz="1200" dirty="0"/>
+              <a:t>logo</a:t>
+            </a:r>
+            <a:r>
+              <a:rPr lang="zh-TW" altLang="en-US" sz="1200" dirty="0"/>
+              <a:t>"</a:t>
+            </a:r>
+            <a:r>
+              <a:rPr lang="en-US" altLang="zh-TW" sz="1200" dirty="0"/>
+              <a:t>: 1 or 2</a:t>
+            </a:r>
+          </a:p>
+          <a:p>
+            <a:r>
+              <a:rPr lang="zh-TW" altLang="en-US" sz="1200" dirty="0"/>
+              <a:t>    "</a:t>
+            </a:r>
+            <a:r>
+              <a:rPr lang="en-US" altLang="zh-TW" sz="1200" dirty="0" err="1"/>
+              <a:t>GetTemplate</a:t>
+            </a:r>
+            <a:r>
+              <a:rPr lang="zh-TW" altLang="en-US" sz="1200" dirty="0"/>
+              <a:t>"</a:t>
+            </a:r>
+            <a:r>
+              <a:rPr lang="en-US" altLang="zh-TW" sz="1200" dirty="0"/>
+              <a:t>:</a:t>
+            </a:r>
+            <a:r>
+              <a:rPr lang="zh-TW" altLang="en-US" sz="1200" dirty="0"/>
+              <a:t> </a:t>
+            </a:r>
+            <a:r>
+              <a:rPr lang="en-US" altLang="zh-TW" sz="1200" dirty="0"/>
+              <a:t>false</a:t>
+            </a:r>
+            <a:endParaRPr lang="zh-TW" altLang="en-US" sz="1200" dirty="0"/>
           </a:p>
           <a:p>
             <a:r>
@@ -4112,7 +5159,7 @@
           <a:prstGeom prst="bentConnector4">
             <a:avLst>
               <a:gd name="adj1" fmla="val 45138"/>
-              <a:gd name="adj2" fmla="val 115895"/>
+              <a:gd name="adj2" fmla="val 153571"/>
             </a:avLst>
           </a:prstGeom>
           <a:ln>
@@ -4172,6 +5219,326 @@
           </a:p>
         </p:txBody>
       </p:sp>
+      <p:sp>
+        <p:nvSpPr>
+          <p:cNvPr id="19" name="文字方塊 18">
+            <a:extLst>
+              <a:ext uri="{FF2B5EF4-FFF2-40B4-BE49-F238E27FC236}">
+                <a16:creationId xmlns:a16="http://schemas.microsoft.com/office/drawing/2014/main" id="{1EE0F634-C1AE-4F99-848E-DDF165A09C83}"/>
+              </a:ext>
+            </a:extLst>
+          </p:cNvPr>
+          <p:cNvSpPr txBox="1"/>
+          <p:nvPr/>
+        </p:nvSpPr>
+        <p:spPr>
+          <a:xfrm>
+            <a:off x="8932334" y="2020445"/>
+            <a:ext cx="3615266" cy="246221"/>
+          </a:xfrm>
+          <a:prstGeom prst="rect">
+            <a:avLst/>
+          </a:prstGeom>
+          <a:noFill/>
+        </p:spPr>
+        <p:txBody>
+          <a:bodyPr wrap="square">
+            <a:spAutoFit/>
+          </a:bodyPr>
+          <a:lstStyle/>
+          <a:p>
+            <a:r>
+              <a:rPr lang="en-US" altLang="zh-TW" sz="1000" dirty="0"/>
+              <a:t>URL:</a:t>
+            </a:r>
+            <a:r>
+              <a:rPr lang="zh-TW" altLang="en-US" sz="1000" dirty="0"/>
+              <a:t> http://localhost:8000/api/v1/getBillMasterDraftStream</a:t>
+            </a:r>
+          </a:p>
+        </p:txBody>
+      </p:sp>
+      <p:pic>
+        <p:nvPicPr>
+          <p:cNvPr id="6" name="圖片 5">
+            <a:extLst>
+              <a:ext uri="{FF2B5EF4-FFF2-40B4-BE49-F238E27FC236}">
+                <a16:creationId xmlns:a16="http://schemas.microsoft.com/office/drawing/2014/main" id="{8D5DE74D-AE82-4BFB-94B4-168E2C9878E2}"/>
+              </a:ext>
+            </a:extLst>
+          </p:cNvPr>
+          <p:cNvPicPr>
+            <a:picLocks noChangeAspect="1"/>
+          </p:cNvPicPr>
+          <p:nvPr/>
+        </p:nvPicPr>
+        <p:blipFill>
+          <a:blip r:embed="rId3">
+            <a:extLst>
+              <a:ext uri="{28A0092B-C50C-407E-A947-70E740481C1C}">
+                <a14:useLocalDpi xmlns:a14="http://schemas.microsoft.com/office/drawing/2010/main" val="0"/>
+              </a:ext>
+            </a:extLst>
+          </a:blip>
+          <a:stretch>
+            <a:fillRect/>
+          </a:stretch>
+        </p:blipFill>
+        <p:spPr>
+          <a:xfrm>
+            <a:off x="5761435" y="407090"/>
+            <a:ext cx="2439939" cy="1073573"/>
+          </a:xfrm>
+          <a:prstGeom prst="rect">
+            <a:avLst/>
+          </a:prstGeom>
+          <a:ln>
+            <a:solidFill>
+              <a:schemeClr val="tx1"/>
+            </a:solidFill>
+          </a:ln>
+        </p:spPr>
+      </p:pic>
+      <p:pic>
+        <p:nvPicPr>
+          <p:cNvPr id="12" name="圖片 11">
+            <a:extLst>
+              <a:ext uri="{FF2B5EF4-FFF2-40B4-BE49-F238E27FC236}">
+                <a16:creationId xmlns:a16="http://schemas.microsoft.com/office/drawing/2014/main" id="{6DDD2FF6-B3AA-4056-B063-0746A1CCA45D}"/>
+              </a:ext>
+            </a:extLst>
+          </p:cNvPr>
+          <p:cNvPicPr>
+            <a:picLocks noChangeAspect="1"/>
+          </p:cNvPicPr>
+          <p:nvPr/>
+        </p:nvPicPr>
+        <p:blipFill>
+          <a:blip r:embed="rId4">
+            <a:extLst>
+              <a:ext uri="{28A0092B-C50C-407E-A947-70E740481C1C}">
+                <a14:useLocalDpi xmlns:a14="http://schemas.microsoft.com/office/drawing/2010/main" val="0"/>
+              </a:ext>
+            </a:extLst>
+          </a:blip>
+          <a:stretch>
+            <a:fillRect/>
+          </a:stretch>
+        </p:blipFill>
+        <p:spPr>
+          <a:xfrm>
+            <a:off x="8663338" y="528263"/>
+            <a:ext cx="2167643" cy="751305"/>
+          </a:xfrm>
+          <a:prstGeom prst="rect">
+            <a:avLst/>
+          </a:prstGeom>
+          <a:ln>
+            <a:solidFill>
+              <a:schemeClr val="tx1"/>
+            </a:solidFill>
+          </a:ln>
+        </p:spPr>
+      </p:pic>
+      <p:sp>
+        <p:nvSpPr>
+          <p:cNvPr id="25" name="矩形 24">
+            <a:extLst>
+              <a:ext uri="{FF2B5EF4-FFF2-40B4-BE49-F238E27FC236}">
+                <a16:creationId xmlns:a16="http://schemas.microsoft.com/office/drawing/2014/main" id="{33C211F6-8CFB-47EA-8930-C00FAE77988A}"/>
+              </a:ext>
+            </a:extLst>
+          </p:cNvPr>
+          <p:cNvSpPr/>
+          <p:nvPr/>
+        </p:nvSpPr>
+        <p:spPr>
+          <a:xfrm>
+            <a:off x="9609432" y="3539329"/>
+            <a:ext cx="121944" cy="153196"/>
+          </a:xfrm>
+          <a:prstGeom prst="rect">
+            <a:avLst/>
+          </a:prstGeom>
+          <a:noFill/>
+          <a:ln>
+            <a:solidFill>
+              <a:srgbClr val="FF0000"/>
+            </a:solidFill>
+          </a:ln>
+        </p:spPr>
+        <p:style>
+          <a:lnRef idx="2">
+            <a:schemeClr val="accent1">
+              <a:shade val="50000"/>
+            </a:schemeClr>
+          </a:lnRef>
+          <a:fillRef idx="1">
+            <a:schemeClr val="accent1"/>
+          </a:fillRef>
+          <a:effectRef idx="0">
+            <a:schemeClr val="accent1"/>
+          </a:effectRef>
+          <a:fontRef idx="minor">
+            <a:schemeClr val="lt1"/>
+          </a:fontRef>
+        </p:style>
+        <p:txBody>
+          <a:bodyPr rtlCol="0" anchor="ctr"/>
+          <a:lstStyle/>
+          <a:p>
+            <a:pPr algn="ctr"/>
+            <a:endParaRPr lang="zh-TW" altLang="en-US"/>
+          </a:p>
+        </p:txBody>
+      </p:sp>
+      <p:sp>
+        <p:nvSpPr>
+          <p:cNvPr id="27" name="矩形 26">
+            <a:extLst>
+              <a:ext uri="{FF2B5EF4-FFF2-40B4-BE49-F238E27FC236}">
+                <a16:creationId xmlns:a16="http://schemas.microsoft.com/office/drawing/2014/main" id="{AFF9989E-C669-4F9F-A4C9-330106770D35}"/>
+              </a:ext>
+            </a:extLst>
+          </p:cNvPr>
+          <p:cNvSpPr/>
+          <p:nvPr/>
+        </p:nvSpPr>
+        <p:spPr>
+          <a:xfrm>
+            <a:off x="9892653" y="3544883"/>
+            <a:ext cx="121944" cy="153196"/>
+          </a:xfrm>
+          <a:prstGeom prst="rect">
+            <a:avLst/>
+          </a:prstGeom>
+          <a:noFill/>
+          <a:ln>
+            <a:solidFill>
+              <a:srgbClr val="FF0000"/>
+            </a:solidFill>
+          </a:ln>
+        </p:spPr>
+        <p:style>
+          <a:lnRef idx="2">
+            <a:schemeClr val="accent1">
+              <a:shade val="50000"/>
+            </a:schemeClr>
+          </a:lnRef>
+          <a:fillRef idx="1">
+            <a:schemeClr val="accent1"/>
+          </a:fillRef>
+          <a:effectRef idx="0">
+            <a:schemeClr val="accent1"/>
+          </a:effectRef>
+          <a:fontRef idx="minor">
+            <a:schemeClr val="lt1"/>
+          </a:fontRef>
+        </p:style>
+        <p:txBody>
+          <a:bodyPr rtlCol="0" anchor="ctr"/>
+          <a:lstStyle/>
+          <a:p>
+            <a:pPr algn="ctr"/>
+            <a:endParaRPr lang="zh-TW" altLang="en-US"/>
+          </a:p>
+        </p:txBody>
+      </p:sp>
+      <p:cxnSp>
+        <p:nvCxnSpPr>
+          <p:cNvPr id="18" name="接點: 肘形 17">
+            <a:extLst>
+              <a:ext uri="{FF2B5EF4-FFF2-40B4-BE49-F238E27FC236}">
+                <a16:creationId xmlns:a16="http://schemas.microsoft.com/office/drawing/2014/main" id="{A4818873-35F1-4E8F-B963-CD63F1C8FF59}"/>
+              </a:ext>
+            </a:extLst>
+          </p:cNvPr>
+          <p:cNvCxnSpPr>
+            <a:cxnSpLocks/>
+            <a:stCxn id="25" idx="2"/>
+            <a:endCxn id="6" idx="2"/>
+          </p:cNvCxnSpPr>
+          <p:nvPr/>
+        </p:nvCxnSpPr>
+        <p:spPr>
+          <a:xfrm rot="5400000" flipH="1">
+            <a:off x="7219974" y="1242095"/>
+            <a:ext cx="2211862" cy="2688999"/>
+          </a:xfrm>
+          <a:prstGeom prst="bentConnector3">
+            <a:avLst>
+              <a:gd name="adj1" fmla="val -29627"/>
+            </a:avLst>
+          </a:prstGeom>
+          <a:ln>
+            <a:solidFill>
+              <a:srgbClr val="FF0000"/>
+            </a:solidFill>
+            <a:tailEnd type="triangle"/>
+          </a:ln>
+        </p:spPr>
+        <p:style>
+          <a:lnRef idx="1">
+            <a:schemeClr val="accent1"/>
+          </a:lnRef>
+          <a:fillRef idx="0">
+            <a:schemeClr val="accent1"/>
+          </a:fillRef>
+          <a:effectRef idx="0">
+            <a:schemeClr val="accent1"/>
+          </a:effectRef>
+          <a:fontRef idx="minor">
+            <a:schemeClr val="tx1"/>
+          </a:fontRef>
+        </p:style>
+      </p:cxnSp>
+      <p:cxnSp>
+        <p:nvCxnSpPr>
+          <p:cNvPr id="32" name="接點: 肘形 31">
+            <a:extLst>
+              <a:ext uri="{FF2B5EF4-FFF2-40B4-BE49-F238E27FC236}">
+                <a16:creationId xmlns:a16="http://schemas.microsoft.com/office/drawing/2014/main" id="{39313940-D3F2-4933-B1A0-9C9A67C27A50}"/>
+              </a:ext>
+            </a:extLst>
+          </p:cNvPr>
+          <p:cNvCxnSpPr>
+            <a:cxnSpLocks/>
+          </p:cNvCxnSpPr>
+          <p:nvPr/>
+        </p:nvCxnSpPr>
+        <p:spPr>
+          <a:xfrm rot="5400000" flipH="1" flipV="1">
+            <a:off x="8995222" y="1862320"/>
+            <a:ext cx="2794163" cy="877356"/>
+          </a:xfrm>
+          <a:prstGeom prst="bentConnector4">
+            <a:avLst>
+              <a:gd name="adj1" fmla="val -8181"/>
+              <a:gd name="adj2" fmla="val 250544"/>
+            </a:avLst>
+          </a:prstGeom>
+          <a:ln>
+            <a:solidFill>
+              <a:srgbClr val="FF0000"/>
+            </a:solidFill>
+            <a:tailEnd type="triangle"/>
+          </a:ln>
+        </p:spPr>
+        <p:style>
+          <a:lnRef idx="1">
+            <a:schemeClr val="accent1"/>
+          </a:lnRef>
+          <a:fillRef idx="0">
+            <a:schemeClr val="accent1"/>
+          </a:fillRef>
+          <a:effectRef idx="0">
+            <a:schemeClr val="accent1"/>
+          </a:effectRef>
+          <a:fontRef idx="minor">
+            <a:schemeClr val="tx1"/>
+          </a:fontRef>
+        </p:style>
+      </p:cxnSp>
     </p:spTree>
     <p:extLst>
       <p:ext uri="{BB962C8B-B14F-4D97-AF65-F5344CB8AC3E}">
